--- a/Capstone.pptx
+++ b/Capstone.pptx
@@ -9,6 +9,9 @@
     <p:sldId id="257" r:id="rId3"/>
     <p:sldId id="258" r:id="rId4"/>
     <p:sldId id="259" r:id="rId5"/>
+    <p:sldId id="261" r:id="rId6"/>
+    <p:sldId id="262" r:id="rId7"/>
+    <p:sldId id="263" r:id="rId8"/>
   </p:sldIdLst>
   <p:sldSz cx="12192000" cy="6858000"/>
   <p:notesSz cx="6858000" cy="9144000"/>
@@ -107,6 +110,11 @@
       </a:defRPr>
     </a:lvl9pPr>
   </p:defaultTextStyle>
+  <p:extLst>
+    <p:ext uri="{EFAFB233-063F-42B5-8137-9DF3F51BA10A}">
+      <p15:sldGuideLst xmlns:p15="http://schemas.microsoft.com/office/powerpoint/2012/main"/>
+    </p:ext>
+  </p:extLst>
 </p:presentation>
 </file>
 
@@ -3695,7 +3703,7 @@
           <a:p>
             <a:r>
               <a:rPr lang="en-US" b="1" dirty="0"/>
-              <a:t>Results</a:t>
+              <a:t>Methodology</a:t>
             </a:r>
             <a:endParaRPr lang="en-US" dirty="0"/>
           </a:p>
@@ -3720,7 +3728,7 @@
         <p:spPr/>
         <p:txBody>
           <a:bodyPr>
-            <a:normAutofit/>
+            <a:normAutofit fontScale="92500" lnSpcReduction="20000"/>
           </a:bodyPr>
           <a:lstStyle/>
           <a:p>
@@ -3729,8 +3737,97 @@
             </a:pPr>
             <a:r>
               <a:rPr lang="en-US" dirty="0"/>
-              <a:t>A map will be displayed with an indictor showing the neighborhood and number of restaurants within 500 meters of the center of the neighborhood.  Each neighborhood will receive a color coding for a rating – Green: A large number of restaurants, Yellow: A average number of restaurants, Red: Low number of restaurants.</a:t>
-            </a:r>
+              <a:t>For this project, I focused on trying to find the neighborhood with the most dense food and nightlife venues.  The idea is that this allows someone to experience a </a:t>
+            </a:r>
+            <a:r>
+              <a:rPr lang="en-US" dirty="0" err="1"/>
+              <a:t>varity</a:t>
+            </a:r>
+            <a:r>
+              <a:rPr lang="en-US" dirty="0"/>
+              <a:t> of restaurants all within walking distance.  Once the data is plotted on the map it is easy to determine which areas have the most restaurants. </a:t>
+            </a:r>
+          </a:p>
+          <a:p>
+            <a:pPr marL="0" indent="0">
+              <a:buNone/>
+            </a:pPr>
+            <a:endParaRPr lang="en-US" dirty="0"/>
+          </a:p>
+          <a:p>
+            <a:pPr marL="0" indent="0">
+              <a:buNone/>
+            </a:pPr>
+            <a:r>
+              <a:rPr lang="en-US" dirty="0"/>
+              <a:t>Packages Used:</a:t>
+            </a:r>
+          </a:p>
+          <a:p>
+            <a:pPr marL="457200" lvl="1" indent="0">
+              <a:buNone/>
+            </a:pPr>
+            <a:r>
+              <a:rPr lang="en-US" dirty="0"/>
+              <a:t>pandas</a:t>
+            </a:r>
+          </a:p>
+          <a:p>
+            <a:pPr marL="457200" lvl="1" indent="0">
+              <a:buNone/>
+            </a:pPr>
+            <a:r>
+              <a:rPr lang="en-US" dirty="0" err="1"/>
+              <a:t>numpy</a:t>
+            </a:r>
+            <a:endParaRPr lang="en-US" dirty="0"/>
+          </a:p>
+          <a:p>
+            <a:pPr marL="457200" lvl="1" indent="0">
+              <a:buNone/>
+            </a:pPr>
+            <a:r>
+              <a:rPr lang="en-US" dirty="0" err="1"/>
+              <a:t>json</a:t>
+            </a:r>
+            <a:r>
+              <a:rPr lang="en-US" dirty="0"/>
+              <a:t> </a:t>
+            </a:r>
+          </a:p>
+          <a:p>
+            <a:pPr marL="457200" lvl="1" indent="0">
+              <a:buNone/>
+            </a:pPr>
+            <a:r>
+              <a:rPr lang="en-US" dirty="0" err="1"/>
+              <a:t>geopy.geocoders</a:t>
+            </a:r>
+            <a:endParaRPr lang="en-US" dirty="0"/>
+          </a:p>
+          <a:p>
+            <a:pPr marL="457200" lvl="1" indent="0">
+              <a:buNone/>
+            </a:pPr>
+            <a:r>
+              <a:rPr lang="en-US" dirty="0"/>
+              <a:t>requests</a:t>
+            </a:r>
+          </a:p>
+          <a:p>
+            <a:pPr marL="457200" lvl="1" indent="0">
+              <a:buNone/>
+            </a:pPr>
+            <a:r>
+              <a:rPr lang="en-US" dirty="0"/>
+              <a:t>folium</a:t>
+            </a:r>
+          </a:p>
+          <a:p>
+            <a:pPr marL="0" indent="0">
+              <a:buNone/>
+            </a:pPr>
+            <a:endParaRPr lang="en-US" dirty="0"/>
           </a:p>
           <a:p>
             <a:endParaRPr lang="en-US" dirty="0"/>
@@ -3741,6 +3838,294 @@
     <p:extLst>
       <p:ext uri="{BB962C8B-B14F-4D97-AF65-F5344CB8AC3E}">
         <p14:creationId xmlns:p14="http://schemas.microsoft.com/office/powerpoint/2010/main" val="285629121"/>
+      </p:ext>
+    </p:extLst>
+  </p:cSld>
+  <p:clrMapOvr>
+    <a:masterClrMapping/>
+  </p:clrMapOvr>
+</p:sld>
+</file>
+
+<file path=ppt/slides/slide5.xml><?xml version="1.0" encoding="utf-8"?>
+<p:sld xmlns:a="http://schemas.openxmlformats.org/drawingml/2006/main" xmlns:r="http://schemas.openxmlformats.org/officeDocument/2006/relationships" xmlns:p="http://schemas.openxmlformats.org/presentationml/2006/main">
+  <p:cSld>
+    <p:spTree>
+      <p:nvGrpSpPr>
+        <p:cNvPr id="1" name=""/>
+        <p:cNvGrpSpPr/>
+        <p:nvPr/>
+      </p:nvGrpSpPr>
+      <p:grpSpPr>
+        <a:xfrm>
+          <a:off x="0" y="0"/>
+          <a:ext cx="0" cy="0"/>
+          <a:chOff x="0" y="0"/>
+          <a:chExt cx="0" cy="0"/>
+        </a:xfrm>
+      </p:grpSpPr>
+      <p:sp>
+        <p:nvSpPr>
+          <p:cNvPr id="2" name="Title 1">
+            <a:extLst>
+              <a:ext uri="{FF2B5EF4-FFF2-40B4-BE49-F238E27FC236}">
+                <a16:creationId xmlns:a16="http://schemas.microsoft.com/office/drawing/2014/main" id="{705531A6-8979-EE4C-AC6E-D6F7BDAFE86D}"/>
+              </a:ext>
+            </a:extLst>
+          </p:cNvPr>
+          <p:cNvSpPr>
+            <a:spLocks noGrp="1"/>
+          </p:cNvSpPr>
+          <p:nvPr>
+            <p:ph type="title"/>
+          </p:nvPr>
+        </p:nvSpPr>
+        <p:spPr/>
+        <p:txBody>
+          <a:bodyPr/>
+          <a:lstStyle/>
+          <a:p>
+            <a:r>
+              <a:rPr lang="en-US" b="1" dirty="0"/>
+              <a:t>Results</a:t>
+            </a:r>
+            <a:endParaRPr lang="en-US" dirty="0"/>
+          </a:p>
+        </p:txBody>
+      </p:sp>
+      <p:sp>
+        <p:nvSpPr>
+          <p:cNvPr id="3" name="Content Placeholder 2">
+            <a:extLst>
+              <a:ext uri="{FF2B5EF4-FFF2-40B4-BE49-F238E27FC236}">
+                <a16:creationId xmlns:a16="http://schemas.microsoft.com/office/drawing/2014/main" id="{0608FC90-B25F-9846-B410-088B68FCD370}"/>
+              </a:ext>
+            </a:extLst>
+          </p:cNvPr>
+          <p:cNvSpPr>
+            <a:spLocks noGrp="1"/>
+          </p:cNvSpPr>
+          <p:nvPr>
+            <p:ph idx="1"/>
+          </p:nvPr>
+        </p:nvSpPr>
+        <p:spPr/>
+        <p:txBody>
+          <a:bodyPr>
+            <a:normAutofit/>
+          </a:bodyPr>
+          <a:lstStyle/>
+          <a:p>
+            <a:pPr marL="0" indent="0">
+              <a:buNone/>
+            </a:pPr>
+            <a:r>
+              <a:rPr lang="en-US" dirty="0"/>
+              <a:t>A map will be displayed with an indictor showing the neighborhood and number of restaurants within 500 meters of the center of the neighborhood.  Each neighborhood will receive a color coding for a rating – Green: A large number of restaurants, Yellow: A average number of restaurants, Red: Low number of restaurants.</a:t>
+            </a:r>
+          </a:p>
+          <a:p>
+            <a:pPr marL="0" indent="0">
+              <a:buNone/>
+            </a:pPr>
+            <a:endParaRPr lang="en-US" dirty="0"/>
+          </a:p>
+          <a:p>
+            <a:pPr marL="0" indent="0">
+              <a:buNone/>
+            </a:pPr>
+            <a:endParaRPr lang="en-US" dirty="0"/>
+          </a:p>
+        </p:txBody>
+      </p:sp>
+    </p:spTree>
+    <p:extLst>
+      <p:ext uri="{BB962C8B-B14F-4D97-AF65-F5344CB8AC3E}">
+        <p14:creationId xmlns:p14="http://schemas.microsoft.com/office/powerpoint/2010/main" val="72178697"/>
+      </p:ext>
+    </p:extLst>
+  </p:cSld>
+  <p:clrMapOvr>
+    <a:masterClrMapping/>
+  </p:clrMapOvr>
+</p:sld>
+</file>
+
+<file path=ppt/slides/slide6.xml><?xml version="1.0" encoding="utf-8"?>
+<p:sld xmlns:a="http://schemas.openxmlformats.org/drawingml/2006/main" xmlns:r="http://schemas.openxmlformats.org/officeDocument/2006/relationships" xmlns:p="http://schemas.openxmlformats.org/presentationml/2006/main">
+  <p:cSld>
+    <p:spTree>
+      <p:nvGrpSpPr>
+        <p:cNvPr id="1" name=""/>
+        <p:cNvGrpSpPr/>
+        <p:nvPr/>
+      </p:nvGrpSpPr>
+      <p:grpSpPr>
+        <a:xfrm>
+          <a:off x="0" y="0"/>
+          <a:ext cx="0" cy="0"/>
+          <a:chOff x="0" y="0"/>
+          <a:chExt cx="0" cy="0"/>
+        </a:xfrm>
+      </p:grpSpPr>
+      <p:sp>
+        <p:nvSpPr>
+          <p:cNvPr id="2" name="Title 1">
+            <a:extLst>
+              <a:ext uri="{FF2B5EF4-FFF2-40B4-BE49-F238E27FC236}">
+                <a16:creationId xmlns:a16="http://schemas.microsoft.com/office/drawing/2014/main" id="{705531A6-8979-EE4C-AC6E-D6F7BDAFE86D}"/>
+              </a:ext>
+            </a:extLst>
+          </p:cNvPr>
+          <p:cNvSpPr>
+            <a:spLocks noGrp="1"/>
+          </p:cNvSpPr>
+          <p:nvPr>
+            <p:ph type="title"/>
+          </p:nvPr>
+        </p:nvSpPr>
+        <p:spPr/>
+        <p:txBody>
+          <a:bodyPr/>
+          <a:lstStyle/>
+          <a:p>
+            <a:r>
+              <a:rPr lang="en-US" b="1" dirty="0"/>
+              <a:t>Discussion</a:t>
+            </a:r>
+            <a:endParaRPr lang="en-US" dirty="0"/>
+          </a:p>
+        </p:txBody>
+      </p:sp>
+      <p:sp>
+        <p:nvSpPr>
+          <p:cNvPr id="3" name="Content Placeholder 2">
+            <a:extLst>
+              <a:ext uri="{FF2B5EF4-FFF2-40B4-BE49-F238E27FC236}">
+                <a16:creationId xmlns:a16="http://schemas.microsoft.com/office/drawing/2014/main" id="{0608FC90-B25F-9846-B410-088B68FCD370}"/>
+              </a:ext>
+            </a:extLst>
+          </p:cNvPr>
+          <p:cNvSpPr>
+            <a:spLocks noGrp="1"/>
+          </p:cNvSpPr>
+          <p:nvPr>
+            <p:ph idx="1"/>
+          </p:nvPr>
+        </p:nvSpPr>
+        <p:spPr/>
+        <p:txBody>
+          <a:bodyPr>
+            <a:normAutofit/>
+          </a:bodyPr>
+          <a:lstStyle/>
+          <a:p>
+            <a:pPr marL="0" indent="0">
+              <a:buNone/>
+            </a:pPr>
+            <a:r>
+              <a:rPr lang="en-US" dirty="0"/>
+              <a:t>After reviewing the data it identified the Gold Coast, River North, and Cathedral District as a great location to live.  </a:t>
+            </a:r>
+          </a:p>
+        </p:txBody>
+      </p:sp>
+    </p:spTree>
+    <p:extLst>
+      <p:ext uri="{BB962C8B-B14F-4D97-AF65-F5344CB8AC3E}">
+        <p14:creationId xmlns:p14="http://schemas.microsoft.com/office/powerpoint/2010/main" val="1419222717"/>
+      </p:ext>
+    </p:extLst>
+  </p:cSld>
+  <p:clrMapOvr>
+    <a:masterClrMapping/>
+  </p:clrMapOvr>
+</p:sld>
+</file>
+
+<file path=ppt/slides/slide7.xml><?xml version="1.0" encoding="utf-8"?>
+<p:sld xmlns:a="http://schemas.openxmlformats.org/drawingml/2006/main" xmlns:r="http://schemas.openxmlformats.org/officeDocument/2006/relationships" xmlns:p="http://schemas.openxmlformats.org/presentationml/2006/main">
+  <p:cSld>
+    <p:spTree>
+      <p:nvGrpSpPr>
+        <p:cNvPr id="1" name=""/>
+        <p:cNvGrpSpPr/>
+        <p:nvPr/>
+      </p:nvGrpSpPr>
+      <p:grpSpPr>
+        <a:xfrm>
+          <a:off x="0" y="0"/>
+          <a:ext cx="0" cy="0"/>
+          <a:chOff x="0" y="0"/>
+          <a:chExt cx="0" cy="0"/>
+        </a:xfrm>
+      </p:grpSpPr>
+      <p:sp>
+        <p:nvSpPr>
+          <p:cNvPr id="2" name="Title 1">
+            <a:extLst>
+              <a:ext uri="{FF2B5EF4-FFF2-40B4-BE49-F238E27FC236}">
+                <a16:creationId xmlns:a16="http://schemas.microsoft.com/office/drawing/2014/main" id="{7FE6CE4D-6BF9-3C41-A8D2-BD320CB4B2D4}"/>
+              </a:ext>
+            </a:extLst>
+          </p:cNvPr>
+          <p:cNvSpPr>
+            <a:spLocks noGrp="1"/>
+          </p:cNvSpPr>
+          <p:nvPr>
+            <p:ph type="title"/>
+          </p:nvPr>
+        </p:nvSpPr>
+        <p:spPr/>
+        <p:txBody>
+          <a:bodyPr/>
+          <a:lstStyle/>
+          <a:p>
+            <a:r>
+              <a:rPr lang="en-US" dirty="0"/>
+              <a:t>Conclusion</a:t>
+            </a:r>
+          </a:p>
+        </p:txBody>
+      </p:sp>
+      <p:sp>
+        <p:nvSpPr>
+          <p:cNvPr id="3" name="Content Placeholder 2">
+            <a:extLst>
+              <a:ext uri="{FF2B5EF4-FFF2-40B4-BE49-F238E27FC236}">
+                <a16:creationId xmlns:a16="http://schemas.microsoft.com/office/drawing/2014/main" id="{CFF15E56-F9B7-6741-97C5-10CC137D6CED}"/>
+              </a:ext>
+            </a:extLst>
+          </p:cNvPr>
+          <p:cNvSpPr>
+            <a:spLocks noGrp="1"/>
+          </p:cNvSpPr>
+          <p:nvPr>
+            <p:ph idx="1"/>
+          </p:nvPr>
+        </p:nvSpPr>
+        <p:spPr/>
+        <p:txBody>
+          <a:bodyPr/>
+          <a:lstStyle/>
+          <a:p>
+            <a:pPr marL="0" indent="0">
+              <a:buNone/>
+            </a:pPr>
+            <a:r>
+              <a:rPr lang="en-US" dirty="0"/>
+              <a:t>The Gold Coast, River North, and Cathedral District neighborhoods are all very close.  If you lived in the middle of these three neighborhoods, you would have a large variety of venues to enjoy.</a:t>
+            </a:r>
+          </a:p>
+          <a:p>
+            <a:endParaRPr lang="en-US" dirty="0"/>
+          </a:p>
+        </p:txBody>
+      </p:sp>
+    </p:spTree>
+    <p:extLst>
+      <p:ext uri="{BB962C8B-B14F-4D97-AF65-F5344CB8AC3E}">
+        <p14:creationId xmlns:p14="http://schemas.microsoft.com/office/powerpoint/2010/main" val="3443250150"/>
       </p:ext>
     </p:extLst>
   </p:cSld>

--- a/Capstone.pptx
+++ b/Capstone.pptx
@@ -265,7 +265,7 @@
           <a:p>
             <a:fld id="{55712CEE-5FFC-5E4B-9DCB-0D1B411F4F45}" type="datetimeFigureOut">
               <a:rPr lang="en-US" smtClean="0"/>
-              <a:t>10/25/18</a:t>
+              <a:t>10/26/18</a:t>
             </a:fld>
             <a:endParaRPr lang="en-US"/>
           </a:p>
@@ -463,7 +463,7 @@
           <a:p>
             <a:fld id="{55712CEE-5FFC-5E4B-9DCB-0D1B411F4F45}" type="datetimeFigureOut">
               <a:rPr lang="en-US" smtClean="0"/>
-              <a:t>10/25/18</a:t>
+              <a:t>10/26/18</a:t>
             </a:fld>
             <a:endParaRPr lang="en-US"/>
           </a:p>
@@ -671,7 +671,7 @@
           <a:p>
             <a:fld id="{55712CEE-5FFC-5E4B-9DCB-0D1B411F4F45}" type="datetimeFigureOut">
               <a:rPr lang="en-US" smtClean="0"/>
-              <a:t>10/25/18</a:t>
+              <a:t>10/26/18</a:t>
             </a:fld>
             <a:endParaRPr lang="en-US"/>
           </a:p>
@@ -869,7 +869,7 @@
           <a:p>
             <a:fld id="{55712CEE-5FFC-5E4B-9DCB-0D1B411F4F45}" type="datetimeFigureOut">
               <a:rPr lang="en-US" smtClean="0"/>
-              <a:t>10/25/18</a:t>
+              <a:t>10/26/18</a:t>
             </a:fld>
             <a:endParaRPr lang="en-US"/>
           </a:p>
@@ -1144,7 +1144,7 @@
           <a:p>
             <a:fld id="{55712CEE-5FFC-5E4B-9DCB-0D1B411F4F45}" type="datetimeFigureOut">
               <a:rPr lang="en-US" smtClean="0"/>
-              <a:t>10/25/18</a:t>
+              <a:t>10/26/18</a:t>
             </a:fld>
             <a:endParaRPr lang="en-US"/>
           </a:p>
@@ -1409,7 +1409,7 @@
           <a:p>
             <a:fld id="{55712CEE-5FFC-5E4B-9DCB-0D1B411F4F45}" type="datetimeFigureOut">
               <a:rPr lang="en-US" smtClean="0"/>
-              <a:t>10/25/18</a:t>
+              <a:t>10/26/18</a:t>
             </a:fld>
             <a:endParaRPr lang="en-US"/>
           </a:p>
@@ -1821,7 +1821,7 @@
           <a:p>
             <a:fld id="{55712CEE-5FFC-5E4B-9DCB-0D1B411F4F45}" type="datetimeFigureOut">
               <a:rPr lang="en-US" smtClean="0"/>
-              <a:t>10/25/18</a:t>
+              <a:t>10/26/18</a:t>
             </a:fld>
             <a:endParaRPr lang="en-US"/>
           </a:p>
@@ -1962,7 +1962,7 @@
           <a:p>
             <a:fld id="{55712CEE-5FFC-5E4B-9DCB-0D1B411F4F45}" type="datetimeFigureOut">
               <a:rPr lang="en-US" smtClean="0"/>
-              <a:t>10/25/18</a:t>
+              <a:t>10/26/18</a:t>
             </a:fld>
             <a:endParaRPr lang="en-US"/>
           </a:p>
@@ -2075,7 +2075,7 @@
           <a:p>
             <a:fld id="{55712CEE-5FFC-5E4B-9DCB-0D1B411F4F45}" type="datetimeFigureOut">
               <a:rPr lang="en-US" smtClean="0"/>
-              <a:t>10/25/18</a:t>
+              <a:t>10/26/18</a:t>
             </a:fld>
             <a:endParaRPr lang="en-US"/>
           </a:p>
@@ -2386,7 +2386,7 @@
           <a:p>
             <a:fld id="{55712CEE-5FFC-5E4B-9DCB-0D1B411F4F45}" type="datetimeFigureOut">
               <a:rPr lang="en-US" smtClean="0"/>
-              <a:t>10/25/18</a:t>
+              <a:t>10/26/18</a:t>
             </a:fld>
             <a:endParaRPr lang="en-US"/>
           </a:p>
@@ -2674,7 +2674,7 @@
           <a:p>
             <a:fld id="{55712CEE-5FFC-5E4B-9DCB-0D1B411F4F45}" type="datetimeFigureOut">
               <a:rPr lang="en-US" smtClean="0"/>
-              <a:t>10/25/18</a:t>
+              <a:t>10/26/18</a:t>
             </a:fld>
             <a:endParaRPr lang="en-US"/>
           </a:p>
@@ -2915,7 +2915,7 @@
           <a:p>
             <a:fld id="{55712CEE-5FFC-5E4B-9DCB-0D1B411F4F45}" type="datetimeFigureOut">
               <a:rPr lang="en-US" smtClean="0"/>
-              <a:t>10/25/18</a:t>
+              <a:t>10/26/18</a:t>
             </a:fld>
             <a:endParaRPr lang="en-US"/>
           </a:p>
@@ -3475,7 +3475,7 @@
             </a:pPr>
             <a:r>
               <a:rPr lang="en-US" dirty="0"/>
-              <a:t>As a foodie moving to Chicago I would like to know how many restaurants are in each neighborhood so I can decide where I will live.</a:t>
+              <a:t>As a foodie moving to Chicago I would like to know how many restaurants are in each neighborhood so I can decide where I will live.  It is very important to many people to know how many restaurants are within walking distance from where they live.  This is especially true in large cities where many people don’t have cars.  For people moving into a new area this project can identify an ideal location with a large number of restaurants / bars that are easily accessible.</a:t>
             </a:r>
           </a:p>
           <a:p>
@@ -3737,15 +3737,7 @@
             </a:pPr>
             <a:r>
               <a:rPr lang="en-US" dirty="0"/>
-              <a:t>For this project, I focused on trying to find the neighborhood with the most dense food and nightlife venues.  The idea is that this allows someone to experience a </a:t>
-            </a:r>
-            <a:r>
-              <a:rPr lang="en-US" dirty="0" err="1"/>
-              <a:t>varity</a:t>
-            </a:r>
-            <a:r>
-              <a:rPr lang="en-US" dirty="0"/>
-              <a:t> of restaurants all within walking distance.  Once the data is plotted on the map it is easy to determine which areas have the most restaurants. </a:t>
+              <a:t>For this project, I focused on trying to find the neighborhood with the most dense food and nightlife venues.  The idea is that this allows someone to experience a variety of restaurants all within walking distance.  Once the data is plotted on the map it is easy to determine which areas have the most restaurants. </a:t>
             </a:r>
           </a:p>
           <a:p>
